--- a/Présentation UrBackup.pptx
+++ b/Présentation UrBackup.pptx
@@ -5,20 +5,19 @@
     <p:sldMasterId id="2147483685" r:id="rId1"/>
   </p:sldMasterIdLst>
   <p:notesMasterIdLst>
-    <p:notesMasterId r:id="rId13"/>
+    <p:notesMasterId r:id="rId12"/>
   </p:notesMasterIdLst>
   <p:sldIdLst>
     <p:sldId id="256" r:id="rId2"/>
-    <p:sldId id="267" r:id="rId3"/>
-    <p:sldId id="257" r:id="rId4"/>
-    <p:sldId id="259" r:id="rId5"/>
-    <p:sldId id="258" r:id="rId6"/>
-    <p:sldId id="260" r:id="rId7"/>
-    <p:sldId id="263" r:id="rId8"/>
-    <p:sldId id="264" r:id="rId9"/>
-    <p:sldId id="261" r:id="rId10"/>
-    <p:sldId id="265" r:id="rId11"/>
-    <p:sldId id="266" r:id="rId12"/>
+    <p:sldId id="257" r:id="rId3"/>
+    <p:sldId id="259" r:id="rId4"/>
+    <p:sldId id="258" r:id="rId5"/>
+    <p:sldId id="260" r:id="rId6"/>
+    <p:sldId id="263" r:id="rId7"/>
+    <p:sldId id="264" r:id="rId8"/>
+    <p:sldId id="261" r:id="rId9"/>
+    <p:sldId id="265" r:id="rId10"/>
+    <p:sldId id="266" r:id="rId11"/>
   </p:sldIdLst>
   <p:sldSz cx="12192000" cy="6858000"/>
   <p:notesSz cx="6858000" cy="9144000"/>
@@ -21835,7 +21834,7 @@
           <a:p>
             <a:fld id="{CD88DA9D-F5AE-4648-946E-B65CCB23984C}" type="datetimeFigureOut">
               <a:rPr lang="fr-CH" smtClean="0"/>
-              <a:t>21.03.2024</a:t>
+              <a:t>22.03.2024</a:t>
             </a:fld>
             <a:endParaRPr lang="fr-CH"/>
           </a:p>
@@ -22168,7 +22167,7 @@
           <a:p>
             <a:fld id="{2FAD216F-5087-489F-94FA-7E7E8DFDB96E}" type="slidenum">
               <a:rPr lang="fr-CH" smtClean="0"/>
-              <a:t>3</a:t>
+              <a:t>2</a:t>
             </a:fld>
             <a:endParaRPr lang="fr-CH"/>
           </a:p>
@@ -22265,7 +22264,7 @@
           <a:p>
             <a:fld id="{2FAD216F-5087-489F-94FA-7E7E8DFDB96E}" type="slidenum">
               <a:rPr lang="fr-CH" smtClean="0"/>
-              <a:t>4</a:t>
+              <a:t>3</a:t>
             </a:fld>
             <a:endParaRPr lang="fr-CH"/>
           </a:p>
@@ -22353,7 +22352,7 @@
           <a:p>
             <a:fld id="{2FAD216F-5087-489F-94FA-7E7E8DFDB96E}" type="slidenum">
               <a:rPr lang="fr-CH" smtClean="0"/>
-              <a:t>6</a:t>
+              <a:t>5</a:t>
             </a:fld>
             <a:endParaRPr lang="fr-CH"/>
           </a:p>
@@ -22459,7 +22458,7 @@
           <a:p>
             <a:fld id="{2FAD216F-5087-489F-94FA-7E7E8DFDB96E}" type="slidenum">
               <a:rPr lang="fr-CH" smtClean="0"/>
-              <a:t>7</a:t>
+              <a:t>6</a:t>
             </a:fld>
             <a:endParaRPr lang="fr-CH"/>
           </a:p>
@@ -22543,7 +22542,7 @@
           <a:p>
             <a:fld id="{2FAD216F-5087-489F-94FA-7E7E8DFDB96E}" type="slidenum">
               <a:rPr lang="fr-CH" smtClean="0"/>
-              <a:t>8</a:t>
+              <a:t>7</a:t>
             </a:fld>
             <a:endParaRPr lang="fr-CH"/>
           </a:p>
@@ -22631,7 +22630,7 @@
           <a:p>
             <a:fld id="{2FAD216F-5087-489F-94FA-7E7E8DFDB96E}" type="slidenum">
               <a:rPr lang="fr-CH" smtClean="0"/>
-              <a:t>10</a:t>
+              <a:t>9</a:t>
             </a:fld>
             <a:endParaRPr lang="fr-CH"/>
           </a:p>
@@ -22972,7 +22971,7 @@
             <a:fld id="{8256C2ED-54A4-480D-B5C8-65C0D62359B9}" type="datetime2">
               <a:rPr lang="en-US" smtClean="0"/>
               <a:pPr/>
-              <a:t>Thursday, March 21, 2024</a:t>
+              <a:t>Friday, March 22, 2024</a:t>
             </a:fld>
             <a:endParaRPr lang="en-US" dirty="0"/>
           </a:p>
@@ -23131,7 +23130,7 @@
           <a:p>
             <a:fld id="{53CF612A-4CB0-4F57-9A87-F049CECB184D}" type="datetime2">
               <a:rPr lang="en-US" smtClean="0"/>
-              <a:t>Thursday, March 21, 2024</a:t>
+              <a:t>Friday, March 22, 2024</a:t>
             </a:fld>
             <a:endParaRPr lang="en-US"/>
           </a:p>
@@ -23352,7 +23351,7 @@
           <a:p>
             <a:fld id="{8F397F40-C8F7-4897-A6B8-241042F913A9}" type="datetime2">
               <a:rPr lang="en-US" smtClean="0"/>
-              <a:t>Thursday, March 21, 2024</a:t>
+              <a:t>Friday, March 22, 2024</a:t>
             </a:fld>
             <a:endParaRPr lang="en-US"/>
           </a:p>
@@ -23675,7 +23674,7 @@
             <a:fld id="{8256C2ED-54A4-480D-B5C8-65C0D62359B9}" type="datetime2">
               <a:rPr lang="en-US" smtClean="0"/>
               <a:pPr/>
-              <a:t>Thursday, March 21, 2024</a:t>
+              <a:t>Friday, March 22, 2024</a:t>
             </a:fld>
             <a:endParaRPr lang="en-US" dirty="0"/>
           </a:p>
@@ -23910,7 +23909,7 @@
           <a:p>
             <a:fld id="{10EDCA73-0A86-4195-A787-75037827079D}" type="datetime2">
               <a:rPr lang="en-US" smtClean="0"/>
-              <a:t>Thursday, March 21, 2024</a:t>
+              <a:t>Friday, March 22, 2024</a:t>
             </a:fld>
             <a:endParaRPr lang="en-US"/>
           </a:p>
@@ -24261,7 +24260,7 @@
           <a:p>
             <a:fld id="{83C75374-B296-498E-A935-80631EA9020D}" type="datetime2">
               <a:rPr lang="en-US" smtClean="0"/>
-              <a:t>Thursday, March 21, 2024</a:t>
+              <a:t>Friday, March 22, 2024</a:t>
             </a:fld>
             <a:endParaRPr lang="en-US"/>
           </a:p>
@@ -24701,7 +24700,7 @@
           <a:p>
             <a:fld id="{B098B728-214A-4ABC-8432-5B3A5A66A987}" type="datetime2">
               <a:rPr lang="en-US" smtClean="0"/>
-              <a:t>Thursday, March 21, 2024</a:t>
+              <a:t>Friday, March 22, 2024</a:t>
             </a:fld>
             <a:endParaRPr lang="en-US" dirty="0"/>
           </a:p>
@@ -24859,7 +24858,7 @@
           <a:p>
             <a:fld id="{015F02D0-6806-43AF-9888-2359BF40C204}" type="datetime2">
               <a:rPr lang="en-US" smtClean="0"/>
-              <a:t>Thursday, March 21, 2024</a:t>
+              <a:t>Friday, March 22, 2024</a:t>
             </a:fld>
             <a:endParaRPr lang="en-US"/>
           </a:p>
@@ -24983,7 +24982,7 @@
           <a:p>
             <a:fld id="{8EE14D2D-B1AF-4197-82D6-FC1F8BD05681}" type="datetime2">
               <a:rPr lang="en-US" smtClean="0"/>
-              <a:t>Thursday, March 21, 2024</a:t>
+              <a:t>Friday, March 22, 2024</a:t>
             </a:fld>
             <a:endParaRPr lang="en-US"/>
           </a:p>
@@ -25311,7 +25310,7 @@
           <a:p>
             <a:fld id="{98771CEB-9838-4245-91B8-EFBAFE2D8B44}" type="datetime2">
               <a:rPr lang="en-US" smtClean="0"/>
-              <a:t>Thursday, March 21, 2024</a:t>
+              <a:t>Friday, March 22, 2024</a:t>
             </a:fld>
             <a:endParaRPr lang="en-US"/>
           </a:p>
@@ -25619,7 +25618,7 @@
           <a:p>
             <a:fld id="{51D3F6BF-A585-41F8-88DF-7E5D069F892A}" type="datetime2">
               <a:rPr lang="en-US" smtClean="0"/>
-              <a:t>Thursday, March 21, 2024</a:t>
+              <a:t>Friday, March 22, 2024</a:t>
             </a:fld>
             <a:endParaRPr lang="en-US"/>
           </a:p>
@@ -25962,7 +25961,7 @@
             <a:fld id="{8256C2ED-54A4-480D-B5C8-65C0D62359B9}" type="datetime2">
               <a:rPr lang="en-US" smtClean="0"/>
               <a:pPr/>
-              <a:t>Thursday, March 21, 2024</a:t>
+              <a:t>Friday, March 22, 2024</a:t>
             </a:fld>
             <a:endParaRPr lang="en-US" dirty="0"/>
           </a:p>
@@ -26783,239 +26782,6 @@
           <a:chExt cx="0" cy="0"/>
         </a:xfrm>
       </p:grpSpPr>
-      <p:sp useBgFill="1">
-        <p:nvSpPr>
-          <p:cNvPr id="10" name="Rectangle 9">
-            <a:extLst>
-              <a:ext uri="{FF2B5EF4-FFF2-40B4-BE49-F238E27FC236}">
-                <a16:creationId xmlns:a16="http://schemas.microsoft.com/office/drawing/2014/main" id="{1FC4AC91-30B8-4B0B-A187-C39F19131957}"/>
-              </a:ext>
-              <a:ext uri="{C183D7F6-B498-43B3-948B-1728B52AA6E4}">
-                <adec:decorative xmlns:adec="http://schemas.microsoft.com/office/drawing/2017/decorative" val="1"/>
-              </a:ext>
-            </a:extLst>
-          </p:cNvPr>
-          <p:cNvSpPr>
-            <a:spLocks noGrp="1" noRot="1" noChangeAspect="1" noMove="1" noResize="1" noEditPoints="1" noAdjustHandles="1" noChangeArrowheads="1" noChangeShapeType="1" noTextEdit="1"/>
-          </p:cNvSpPr>
-          <p:nvPr>
-            <p:extLst>
-              <p:ext uri="{386F3935-93C4-4BCD-93E2-E3B085C9AB24}">
-                <p16:designElem xmlns:p16="http://schemas.microsoft.com/office/powerpoint/2015/main" val="1"/>
-              </p:ext>
-            </p:extLst>
-          </p:nvPr>
-        </p:nvSpPr>
-        <p:spPr>
-          <a:xfrm>
-            <a:off x="0" y="0"/>
-            <a:ext cx="12192000" cy="6858000"/>
-          </a:xfrm>
-          <a:prstGeom prst="rect">
-            <a:avLst/>
-          </a:prstGeom>
-          <a:ln w="12700" cap="flat" cmpd="sng" algn="ctr">
-            <a:noFill/>
-            <a:prstDash val="solid"/>
-            <a:miter lim="800000"/>
-          </a:ln>
-          <a:effectLst/>
-          <a:extLst>
-            <a:ext uri="{91240B29-F687-4F45-9708-019B960494DF}">
-              <a14:hiddenLine xmlns:a14="http://schemas.microsoft.com/office/drawing/2010/main" w="12700" cap="flat" cmpd="sng" algn="ctr">
-                <a:solidFill>
-                  <a:schemeClr val="accent1">
-                    <a:shade val="50000"/>
-                  </a:schemeClr>
-                </a:solidFill>
-                <a:prstDash val="solid"/>
-                <a:miter lim="800000"/>
-              </a14:hiddenLine>
-            </a:ext>
-          </a:extLst>
-        </p:spPr>
-        <p:style>
-          <a:lnRef idx="2">
-            <a:schemeClr val="accent1">
-              <a:shade val="50000"/>
-            </a:schemeClr>
-          </a:lnRef>
-          <a:fillRef idx="1">
-            <a:schemeClr val="accent1"/>
-          </a:fillRef>
-          <a:effectRef idx="0">
-            <a:schemeClr val="accent1"/>
-          </a:effectRef>
-          <a:fontRef idx="minor">
-            <a:schemeClr val="lt1"/>
-          </a:fontRef>
-        </p:style>
-        <p:txBody>
-          <a:bodyPr rtlCol="0" anchor="ctr"/>
-          <a:lstStyle/>
-          <a:p>
-            <a:pPr algn="ctr"/>
-            <a:endParaRPr lang="en-US"/>
-          </a:p>
-        </p:txBody>
-      </p:sp>
-      <p:sp>
-        <p:nvSpPr>
-          <p:cNvPr id="2" name="Titre 1">
-            <a:extLst>
-              <a:ext uri="{FF2B5EF4-FFF2-40B4-BE49-F238E27FC236}">
-                <a16:creationId xmlns:a16="http://schemas.microsoft.com/office/drawing/2014/main" id="{9E39BBDB-67CB-6760-78A9-5AEFE911A3A0}"/>
-              </a:ext>
-            </a:extLst>
-          </p:cNvPr>
-          <p:cNvSpPr>
-            <a:spLocks noGrp="1"/>
-          </p:cNvSpPr>
-          <p:nvPr>
-            <p:ph type="title"/>
-          </p:nvPr>
-        </p:nvSpPr>
-        <p:spPr>
-          <a:xfrm>
-            <a:off x="448056" y="389970"/>
-            <a:ext cx="11301984" cy="860400"/>
-          </a:xfrm>
-        </p:spPr>
-        <p:txBody>
-          <a:bodyPr anchor="b">
-            <a:normAutofit/>
-          </a:bodyPr>
-          <a:lstStyle/>
-          <a:p>
-            <a:r>
-              <a:rPr lang="en-US"/>
-              <a:t>Conclusion</a:t>
-            </a:r>
-            <a:endParaRPr lang="fr-CH" dirty="0"/>
-          </a:p>
-        </p:txBody>
-      </p:sp>
-      <p:cxnSp>
-        <p:nvCxnSpPr>
-          <p:cNvPr id="12" name="Straight Connector 11">
-            <a:extLst>
-              <a:ext uri="{FF2B5EF4-FFF2-40B4-BE49-F238E27FC236}">
-                <a16:creationId xmlns:a16="http://schemas.microsoft.com/office/drawing/2014/main" id="{493FE3F6-2B23-4E4E-AA49-C212646DC785}"/>
-              </a:ext>
-              <a:ext uri="{C183D7F6-B498-43B3-948B-1728B52AA6E4}">
-                <adec:decorative xmlns:adec="http://schemas.microsoft.com/office/drawing/2017/decorative" val="1"/>
-              </a:ext>
-            </a:extLst>
-          </p:cNvPr>
-          <p:cNvCxnSpPr>
-            <a:cxnSpLocks noGrp="1" noRot="1" noChangeAspect="1" noMove="1" noResize="1" noEditPoints="1" noAdjustHandles="1" noChangeArrowheads="1" noChangeShapeType="1"/>
-          </p:cNvCxnSpPr>
-          <p:nvPr>
-            <p:extLst>
-              <p:ext uri="{386F3935-93C4-4BCD-93E2-E3B085C9AB24}">
-                <p16:designElem xmlns:p16="http://schemas.microsoft.com/office/powerpoint/2015/main" val="1"/>
-              </p:ext>
-            </p:extLst>
-          </p:nvPr>
-        </p:nvCxnSpPr>
-        <p:spPr>
-          <a:xfrm>
-            <a:off x="449400" y="1609200"/>
-            <a:ext cx="11293200" cy="0"/>
-          </a:xfrm>
-          <a:prstGeom prst="line">
-            <a:avLst/>
-          </a:prstGeom>
-          <a:ln w="6350">
-            <a:solidFill>
-              <a:schemeClr val="tx2"/>
-            </a:solidFill>
-          </a:ln>
-        </p:spPr>
-        <p:style>
-          <a:lnRef idx="1">
-            <a:schemeClr val="accent1"/>
-          </a:lnRef>
-          <a:fillRef idx="0">
-            <a:schemeClr val="accent1"/>
-          </a:fillRef>
-          <a:effectRef idx="0">
-            <a:schemeClr val="accent1"/>
-          </a:effectRef>
-          <a:fontRef idx="minor">
-            <a:schemeClr val="tx1"/>
-          </a:fontRef>
-        </p:style>
-      </p:cxnSp>
-      <p:graphicFrame>
-        <p:nvGraphicFramePr>
-          <p:cNvPr id="5" name="Espace réservé du contenu 2">
-            <a:extLst>
-              <a:ext uri="{FF2B5EF4-FFF2-40B4-BE49-F238E27FC236}">
-                <a16:creationId xmlns:a16="http://schemas.microsoft.com/office/drawing/2014/main" id="{4AC161AB-4BDC-BB47-090C-EAFB6B7A691B}"/>
-              </a:ext>
-            </a:extLst>
-          </p:cNvPr>
-          <p:cNvGraphicFramePr>
-            <a:graphicFrameLocks noGrp="1"/>
-          </p:cNvGraphicFramePr>
-          <p:nvPr>
-            <p:ph idx="1"/>
-            <p:extLst>
-              <p:ext uri="{D42A27DB-BD31-4B8C-83A1-F6EECF244321}">
-                <p14:modId xmlns:p14="http://schemas.microsoft.com/office/powerpoint/2010/main" val="1592590462"/>
-              </p:ext>
-            </p:extLst>
-          </p:nvPr>
-        </p:nvGraphicFramePr>
-        <p:xfrm>
-          <a:off x="450000" y="2059200"/>
-          <a:ext cx="11293475" cy="3783012"/>
-        </p:xfrm>
-        <a:graphic>
-          <a:graphicData uri="http://schemas.openxmlformats.org/drawingml/2006/diagram">
-            <dgm:relIds xmlns:dgm="http://schemas.openxmlformats.org/drawingml/2006/diagram" xmlns:r="http://schemas.openxmlformats.org/officeDocument/2006/relationships" r:dm="rId3" r:lo="rId4" r:qs="rId5" r:cs="rId6"/>
-          </a:graphicData>
-        </a:graphic>
-      </p:graphicFrame>
-    </p:spTree>
-    <p:extLst>
-      <p:ext uri="{BB962C8B-B14F-4D97-AF65-F5344CB8AC3E}">
-        <p14:creationId xmlns:p14="http://schemas.microsoft.com/office/powerpoint/2010/main" val="275477377"/>
-      </p:ext>
-    </p:extLst>
-  </p:cSld>
-  <p:clrMapOvr>
-    <a:masterClrMapping/>
-  </p:clrMapOvr>
-</p:sld>
-</file>
-
-<file path=ppt/slides/slide11.xml><?xml version="1.0" encoding="utf-8"?>
-<p:sld xmlns:a="http://schemas.openxmlformats.org/drawingml/2006/main" xmlns:r="http://schemas.openxmlformats.org/officeDocument/2006/relationships" xmlns:p="http://schemas.openxmlformats.org/presentationml/2006/main">
-  <p:cSld>
-    <p:bg>
-      <p:bgPr>
-        <a:solidFill>
-          <a:schemeClr val="bg2"/>
-        </a:solidFill>
-        <a:effectLst/>
-      </p:bgPr>
-    </p:bg>
-    <p:spTree>
-      <p:nvGrpSpPr>
-        <p:cNvPr id="1" name=""/>
-        <p:cNvGrpSpPr/>
-        <p:nvPr/>
-      </p:nvGrpSpPr>
-      <p:grpSpPr>
-        <a:xfrm>
-          <a:off x="0" y="0"/>
-          <a:ext cx="0" cy="0"/>
-          <a:chOff x="0" y="0"/>
-          <a:chExt cx="0" cy="0"/>
-        </a:xfrm>
-      </p:grpSpPr>
       <p:cxnSp>
         <p:nvCxnSpPr>
           <p:cNvPr id="9" name="Straight Connector 8">
@@ -27346,96 +27112,6 @@
 <file path=ppt/slides/slide2.xml><?xml version="1.0" encoding="utf-8"?>
 <p:sld xmlns:a="http://schemas.openxmlformats.org/drawingml/2006/main" xmlns:r="http://schemas.openxmlformats.org/officeDocument/2006/relationships" xmlns:p="http://schemas.openxmlformats.org/presentationml/2006/main">
   <p:cSld>
-    <p:spTree>
-      <p:nvGrpSpPr>
-        <p:cNvPr id="1" name=""/>
-        <p:cNvGrpSpPr/>
-        <p:nvPr/>
-      </p:nvGrpSpPr>
-      <p:grpSpPr>
-        <a:xfrm>
-          <a:off x="0" y="0"/>
-          <a:ext cx="0" cy="0"/>
-          <a:chOff x="0" y="0"/>
-          <a:chExt cx="0" cy="0"/>
-        </a:xfrm>
-      </p:grpSpPr>
-      <p:pic>
-        <p:nvPicPr>
-          <p:cNvPr id="6" name="Image 5">
-            <a:extLst>
-              <a:ext uri="{FF2B5EF4-FFF2-40B4-BE49-F238E27FC236}">
-                <a16:creationId xmlns:a16="http://schemas.microsoft.com/office/drawing/2014/main" id="{03125859-8A31-AAD3-8B23-5174DD8174DF}"/>
-              </a:ext>
-            </a:extLst>
-          </p:cNvPr>
-          <p:cNvPicPr>
-            <a:picLocks noChangeAspect="1"/>
-          </p:cNvPicPr>
-          <p:nvPr/>
-        </p:nvPicPr>
-        <p:blipFill>
-          <a:blip r:embed="rId2"/>
-          <a:stretch>
-            <a:fillRect/>
-          </a:stretch>
-        </p:blipFill>
-        <p:spPr>
-          <a:xfrm rot="5566617">
-            <a:off x="5001318" y="1114365"/>
-            <a:ext cx="7631165" cy="4629271"/>
-          </a:xfrm>
-          <a:prstGeom prst="rect">
-            <a:avLst/>
-          </a:prstGeom>
-        </p:spPr>
-      </p:pic>
-      <p:pic>
-        <p:nvPicPr>
-          <p:cNvPr id="5" name="Image 4">
-            <a:extLst>
-              <a:ext uri="{FF2B5EF4-FFF2-40B4-BE49-F238E27FC236}">
-                <a16:creationId xmlns:a16="http://schemas.microsoft.com/office/drawing/2014/main" id="{2E0BDA5A-49F6-42B6-93D5-223B6DF14299}"/>
-              </a:ext>
-            </a:extLst>
-          </p:cNvPr>
-          <p:cNvPicPr>
-            <a:picLocks noChangeAspect="1"/>
-          </p:cNvPicPr>
-          <p:nvPr/>
-        </p:nvPicPr>
-        <p:blipFill>
-          <a:blip r:embed="rId3"/>
-          <a:stretch>
-            <a:fillRect/>
-          </a:stretch>
-        </p:blipFill>
-        <p:spPr>
-          <a:xfrm>
-            <a:off x="286560" y="397702"/>
-            <a:ext cx="5808095" cy="3128169"/>
-          </a:xfrm>
-          <a:prstGeom prst="rect">
-            <a:avLst/>
-          </a:prstGeom>
-        </p:spPr>
-      </p:pic>
-    </p:spTree>
-    <p:extLst>
-      <p:ext uri="{BB962C8B-B14F-4D97-AF65-F5344CB8AC3E}">
-        <p14:creationId xmlns:p14="http://schemas.microsoft.com/office/powerpoint/2010/main" val="3005475149"/>
-      </p:ext>
-    </p:extLst>
-  </p:cSld>
-  <p:clrMapOvr>
-    <a:masterClrMapping/>
-  </p:clrMapOvr>
-</p:sld>
-</file>
-
-<file path=ppt/slides/slide3.xml><?xml version="1.0" encoding="utf-8"?>
-<p:sld xmlns:a="http://schemas.openxmlformats.org/drawingml/2006/main" xmlns:r="http://schemas.openxmlformats.org/officeDocument/2006/relationships" xmlns:p="http://schemas.openxmlformats.org/presentationml/2006/main">
-  <p:cSld>
     <p:bg>
       <p:bgPr>
         <a:solidFill>
@@ -27666,7 +27342,7 @@
 </p:sld>
 </file>
 
-<file path=ppt/slides/slide4.xml><?xml version="1.0" encoding="utf-8"?>
+<file path=ppt/slides/slide3.xml><?xml version="1.0" encoding="utf-8"?>
 <p:sld xmlns:a="http://schemas.openxmlformats.org/drawingml/2006/main" xmlns:r="http://schemas.openxmlformats.org/officeDocument/2006/relationships" xmlns:p="http://schemas.openxmlformats.org/presentationml/2006/main">
   <p:cSld>
     <p:bg>
@@ -28129,7 +27805,7 @@
 </p:sld>
 </file>
 
-<file path=ppt/slides/slide5.xml><?xml version="1.0" encoding="utf-8"?>
+<file path=ppt/slides/slide4.xml><?xml version="1.0" encoding="utf-8"?>
 <p:sld xmlns:a="http://schemas.openxmlformats.org/drawingml/2006/main" xmlns:r="http://schemas.openxmlformats.org/officeDocument/2006/relationships" xmlns:p="http://schemas.openxmlformats.org/presentationml/2006/main">
   <p:cSld>
     <p:bg>
@@ -28361,7 +28037,7 @@
 </p:sld>
 </file>
 
-<file path=ppt/slides/slide6.xml><?xml version="1.0" encoding="utf-8"?>
+<file path=ppt/slides/slide5.xml><?xml version="1.0" encoding="utf-8"?>
 <p:sld xmlns:a="http://schemas.openxmlformats.org/drawingml/2006/main" xmlns:r="http://schemas.openxmlformats.org/officeDocument/2006/relationships" xmlns:p="http://schemas.openxmlformats.org/presentationml/2006/main">
   <p:cSld>
     <p:bg>
@@ -28594,7 +28270,7 @@
 </p:sld>
 </file>
 
-<file path=ppt/slides/slide7.xml><?xml version="1.0" encoding="utf-8"?>
+<file path=ppt/slides/slide6.xml><?xml version="1.0" encoding="utf-8"?>
 <p:sld xmlns:a="http://schemas.openxmlformats.org/drawingml/2006/main" xmlns:r="http://schemas.openxmlformats.org/officeDocument/2006/relationships" xmlns:p="http://schemas.openxmlformats.org/presentationml/2006/main">
   <p:cSld>
     <p:bg>
@@ -29111,7 +28787,7 @@
 </p:sld>
 </file>
 
-<file path=ppt/slides/slide8.xml><?xml version="1.0" encoding="utf-8"?>
+<file path=ppt/slides/slide7.xml><?xml version="1.0" encoding="utf-8"?>
 <p:sld xmlns:a="http://schemas.openxmlformats.org/drawingml/2006/main" xmlns:r="http://schemas.openxmlformats.org/officeDocument/2006/relationships" xmlns:p="http://schemas.openxmlformats.org/presentationml/2006/main">
   <p:cSld>
     <p:bg>
@@ -29383,7 +29059,7 @@
 </p:sld>
 </file>
 
-<file path=ppt/slides/slide9.xml><?xml version="1.0" encoding="utf-8"?>
+<file path=ppt/slides/slide8.xml><?xml version="1.0" encoding="utf-8"?>
 <p:sld xmlns:a="http://schemas.openxmlformats.org/drawingml/2006/main" xmlns:r="http://schemas.openxmlformats.org/officeDocument/2006/relationships" xmlns:p="http://schemas.openxmlformats.org/presentationml/2006/main">
   <p:cSld>
     <p:bg>
@@ -29607,6 +29283,239 @@
     <p:extLst>
       <p:ext uri="{BB962C8B-B14F-4D97-AF65-F5344CB8AC3E}">
         <p14:creationId xmlns:p14="http://schemas.microsoft.com/office/powerpoint/2010/main" val="4243460198"/>
+      </p:ext>
+    </p:extLst>
+  </p:cSld>
+  <p:clrMapOvr>
+    <a:masterClrMapping/>
+  </p:clrMapOvr>
+</p:sld>
+</file>
+
+<file path=ppt/slides/slide9.xml><?xml version="1.0" encoding="utf-8"?>
+<p:sld xmlns:a="http://schemas.openxmlformats.org/drawingml/2006/main" xmlns:r="http://schemas.openxmlformats.org/officeDocument/2006/relationships" xmlns:p="http://schemas.openxmlformats.org/presentationml/2006/main">
+  <p:cSld>
+    <p:bg>
+      <p:bgPr>
+        <a:solidFill>
+          <a:schemeClr val="bg2"/>
+        </a:solidFill>
+        <a:effectLst/>
+      </p:bgPr>
+    </p:bg>
+    <p:spTree>
+      <p:nvGrpSpPr>
+        <p:cNvPr id="1" name=""/>
+        <p:cNvGrpSpPr/>
+        <p:nvPr/>
+      </p:nvGrpSpPr>
+      <p:grpSpPr>
+        <a:xfrm>
+          <a:off x="0" y="0"/>
+          <a:ext cx="0" cy="0"/>
+          <a:chOff x="0" y="0"/>
+          <a:chExt cx="0" cy="0"/>
+        </a:xfrm>
+      </p:grpSpPr>
+      <p:sp useBgFill="1">
+        <p:nvSpPr>
+          <p:cNvPr id="10" name="Rectangle 9">
+            <a:extLst>
+              <a:ext uri="{FF2B5EF4-FFF2-40B4-BE49-F238E27FC236}">
+                <a16:creationId xmlns:a16="http://schemas.microsoft.com/office/drawing/2014/main" id="{1FC4AC91-30B8-4B0B-A187-C39F19131957}"/>
+              </a:ext>
+              <a:ext uri="{C183D7F6-B498-43B3-948B-1728B52AA6E4}">
+                <adec:decorative xmlns:adec="http://schemas.microsoft.com/office/drawing/2017/decorative" val="1"/>
+              </a:ext>
+            </a:extLst>
+          </p:cNvPr>
+          <p:cNvSpPr>
+            <a:spLocks noGrp="1" noRot="1" noChangeAspect="1" noMove="1" noResize="1" noEditPoints="1" noAdjustHandles="1" noChangeArrowheads="1" noChangeShapeType="1" noTextEdit="1"/>
+          </p:cNvSpPr>
+          <p:nvPr>
+            <p:extLst>
+              <p:ext uri="{386F3935-93C4-4BCD-93E2-E3B085C9AB24}">
+                <p16:designElem xmlns:p16="http://schemas.microsoft.com/office/powerpoint/2015/main" val="1"/>
+              </p:ext>
+            </p:extLst>
+          </p:nvPr>
+        </p:nvSpPr>
+        <p:spPr>
+          <a:xfrm>
+            <a:off x="0" y="0"/>
+            <a:ext cx="12192000" cy="6858000"/>
+          </a:xfrm>
+          <a:prstGeom prst="rect">
+            <a:avLst/>
+          </a:prstGeom>
+          <a:ln w="12700" cap="flat" cmpd="sng" algn="ctr">
+            <a:noFill/>
+            <a:prstDash val="solid"/>
+            <a:miter lim="800000"/>
+          </a:ln>
+          <a:effectLst/>
+          <a:extLst>
+            <a:ext uri="{91240B29-F687-4F45-9708-019B960494DF}">
+              <a14:hiddenLine xmlns:a14="http://schemas.microsoft.com/office/drawing/2010/main" w="12700" cap="flat" cmpd="sng" algn="ctr">
+                <a:solidFill>
+                  <a:schemeClr val="accent1">
+                    <a:shade val="50000"/>
+                  </a:schemeClr>
+                </a:solidFill>
+                <a:prstDash val="solid"/>
+                <a:miter lim="800000"/>
+              </a14:hiddenLine>
+            </a:ext>
+          </a:extLst>
+        </p:spPr>
+        <p:style>
+          <a:lnRef idx="2">
+            <a:schemeClr val="accent1">
+              <a:shade val="50000"/>
+            </a:schemeClr>
+          </a:lnRef>
+          <a:fillRef idx="1">
+            <a:schemeClr val="accent1"/>
+          </a:fillRef>
+          <a:effectRef idx="0">
+            <a:schemeClr val="accent1"/>
+          </a:effectRef>
+          <a:fontRef idx="minor">
+            <a:schemeClr val="lt1"/>
+          </a:fontRef>
+        </p:style>
+        <p:txBody>
+          <a:bodyPr rtlCol="0" anchor="ctr"/>
+          <a:lstStyle/>
+          <a:p>
+            <a:pPr algn="ctr"/>
+            <a:endParaRPr lang="en-US"/>
+          </a:p>
+        </p:txBody>
+      </p:sp>
+      <p:sp>
+        <p:nvSpPr>
+          <p:cNvPr id="2" name="Titre 1">
+            <a:extLst>
+              <a:ext uri="{FF2B5EF4-FFF2-40B4-BE49-F238E27FC236}">
+                <a16:creationId xmlns:a16="http://schemas.microsoft.com/office/drawing/2014/main" id="{9E39BBDB-67CB-6760-78A9-5AEFE911A3A0}"/>
+              </a:ext>
+            </a:extLst>
+          </p:cNvPr>
+          <p:cNvSpPr>
+            <a:spLocks noGrp="1"/>
+          </p:cNvSpPr>
+          <p:nvPr>
+            <p:ph type="title"/>
+          </p:nvPr>
+        </p:nvSpPr>
+        <p:spPr>
+          <a:xfrm>
+            <a:off x="448056" y="389970"/>
+            <a:ext cx="11301984" cy="860400"/>
+          </a:xfrm>
+        </p:spPr>
+        <p:txBody>
+          <a:bodyPr anchor="b">
+            <a:normAutofit/>
+          </a:bodyPr>
+          <a:lstStyle/>
+          <a:p>
+            <a:r>
+              <a:rPr lang="en-US"/>
+              <a:t>Conclusion</a:t>
+            </a:r>
+            <a:endParaRPr lang="fr-CH" dirty="0"/>
+          </a:p>
+        </p:txBody>
+      </p:sp>
+      <p:cxnSp>
+        <p:nvCxnSpPr>
+          <p:cNvPr id="12" name="Straight Connector 11">
+            <a:extLst>
+              <a:ext uri="{FF2B5EF4-FFF2-40B4-BE49-F238E27FC236}">
+                <a16:creationId xmlns:a16="http://schemas.microsoft.com/office/drawing/2014/main" id="{493FE3F6-2B23-4E4E-AA49-C212646DC785}"/>
+              </a:ext>
+              <a:ext uri="{C183D7F6-B498-43B3-948B-1728B52AA6E4}">
+                <adec:decorative xmlns:adec="http://schemas.microsoft.com/office/drawing/2017/decorative" val="1"/>
+              </a:ext>
+            </a:extLst>
+          </p:cNvPr>
+          <p:cNvCxnSpPr>
+            <a:cxnSpLocks noGrp="1" noRot="1" noChangeAspect="1" noMove="1" noResize="1" noEditPoints="1" noAdjustHandles="1" noChangeArrowheads="1" noChangeShapeType="1"/>
+          </p:cNvCxnSpPr>
+          <p:nvPr>
+            <p:extLst>
+              <p:ext uri="{386F3935-93C4-4BCD-93E2-E3B085C9AB24}">
+                <p16:designElem xmlns:p16="http://schemas.microsoft.com/office/powerpoint/2015/main" val="1"/>
+              </p:ext>
+            </p:extLst>
+          </p:nvPr>
+        </p:nvCxnSpPr>
+        <p:spPr>
+          <a:xfrm>
+            <a:off x="449400" y="1609200"/>
+            <a:ext cx="11293200" cy="0"/>
+          </a:xfrm>
+          <a:prstGeom prst="line">
+            <a:avLst/>
+          </a:prstGeom>
+          <a:ln w="6350">
+            <a:solidFill>
+              <a:schemeClr val="tx2"/>
+            </a:solidFill>
+          </a:ln>
+        </p:spPr>
+        <p:style>
+          <a:lnRef idx="1">
+            <a:schemeClr val="accent1"/>
+          </a:lnRef>
+          <a:fillRef idx="0">
+            <a:schemeClr val="accent1"/>
+          </a:fillRef>
+          <a:effectRef idx="0">
+            <a:schemeClr val="accent1"/>
+          </a:effectRef>
+          <a:fontRef idx="minor">
+            <a:schemeClr val="tx1"/>
+          </a:fontRef>
+        </p:style>
+      </p:cxnSp>
+      <p:graphicFrame>
+        <p:nvGraphicFramePr>
+          <p:cNvPr id="5" name="Espace réservé du contenu 2">
+            <a:extLst>
+              <a:ext uri="{FF2B5EF4-FFF2-40B4-BE49-F238E27FC236}">
+                <a16:creationId xmlns:a16="http://schemas.microsoft.com/office/drawing/2014/main" id="{4AC161AB-4BDC-BB47-090C-EAFB6B7A691B}"/>
+              </a:ext>
+            </a:extLst>
+          </p:cNvPr>
+          <p:cNvGraphicFramePr>
+            <a:graphicFrameLocks noGrp="1"/>
+          </p:cNvGraphicFramePr>
+          <p:nvPr>
+            <p:ph idx="1"/>
+            <p:extLst>
+              <p:ext uri="{D42A27DB-BD31-4B8C-83A1-F6EECF244321}">
+                <p14:modId xmlns:p14="http://schemas.microsoft.com/office/powerpoint/2010/main" val="1592590462"/>
+              </p:ext>
+            </p:extLst>
+          </p:nvPr>
+        </p:nvGraphicFramePr>
+        <p:xfrm>
+          <a:off x="450000" y="2059200"/>
+          <a:ext cx="11293475" cy="3783012"/>
+        </p:xfrm>
+        <a:graphic>
+          <a:graphicData uri="http://schemas.openxmlformats.org/drawingml/2006/diagram">
+            <dgm:relIds xmlns:dgm="http://schemas.openxmlformats.org/drawingml/2006/diagram" xmlns:r="http://schemas.openxmlformats.org/officeDocument/2006/relationships" r:dm="rId3" r:lo="rId4" r:qs="rId5" r:cs="rId6"/>
+          </a:graphicData>
+        </a:graphic>
+      </p:graphicFrame>
+    </p:spTree>
+    <p:extLst>
+      <p:ext uri="{BB962C8B-B14F-4D97-AF65-F5344CB8AC3E}">
+        <p14:creationId xmlns:p14="http://schemas.microsoft.com/office/powerpoint/2010/main" val="275477377"/>
       </p:ext>
     </p:extLst>
   </p:cSld>
